--- a/slides/09_intent_management.pptx
+++ b/slides/09_intent_management.pptx
@@ -5,14 +5,15 @@
     <p:sldMasterId id="2147483712" r:id="rId1"/>
   </p:sldMasterIdLst>
   <p:notesMasterIdLst>
-    <p:notesMasterId r:id="rId4"/>
+    <p:notesMasterId r:id="rId5"/>
   </p:notesMasterIdLst>
   <p:handoutMasterIdLst>
-    <p:handoutMasterId r:id="rId5"/>
+    <p:handoutMasterId r:id="rId6"/>
   </p:handoutMasterIdLst>
   <p:sldIdLst>
     <p:sldId id="257" r:id="rId2"/>
-    <p:sldId id="264" r:id="rId3"/>
+    <p:sldId id="265" r:id="rId3"/>
+    <p:sldId id="264" r:id="rId4"/>
   </p:sldIdLst>
   <p:sldSz cx="12192000" cy="6858000"/>
   <p:notesSz cx="6858000" cy="9144000"/>
@@ -218,7 +219,7 @@
             <a:fld id="{764ED9EE-8F2A-4E06-87A2-36C0DD0993FD}" type="datetime1">
               <a:rPr lang="de-DE" smtClean="0"/>
               <a:pPr rtl="0"/>
-              <a:t>02.11.2020</a:t>
+              <a:t>26.12.2020</a:t>
             </a:fld>
             <a:endParaRPr lang="en-US" dirty="0"/>
           </a:p>
@@ -390,7 +391,7 @@
             <a:fld id="{A5A5ADE8-1FB8-43FD-A675-2B613EE00B6F}" type="datetime1">
               <a:rPr lang="de-DE" smtClean="0"/>
               <a:pPr rtl="0"/>
-              <a:t>02.11.2020</a:t>
+              <a:t>26.12.2020</a:t>
             </a:fld>
             <a:endParaRPr lang="en-US"/>
           </a:p>
@@ -906,7 +907,7 @@
             <a:fld id="{81E9C95E-BEF0-4D2E-9127-B9099B238D2A}" type="datetime1">
               <a:rPr lang="de-DE" smtClean="0"/>
               <a:pPr rtl="0"/>
-              <a:t>02.11.2020</a:t>
+              <a:t>26.12.2020</a:t>
             </a:fld>
             <a:endParaRPr lang="en-US" dirty="0"/>
           </a:p>
@@ -1115,7 +1116,7 @@
             <a:fld id="{FE771757-BB18-44C5-813E-435E78C98126}" type="datetime1">
               <a:rPr lang="de-DE" smtClean="0"/>
               <a:pPr rtl="0"/>
-              <a:t>02.11.2020</a:t>
+              <a:t>26.12.2020</a:t>
             </a:fld>
             <a:endParaRPr lang="en-US" dirty="0"/>
           </a:p>
@@ -1483,7 +1484,7 @@
             <a:fld id="{B83FACD6-565C-4118-ACD0-32ACCA9AF940}" type="datetime1">
               <a:rPr lang="de-DE" smtClean="0"/>
               <a:pPr rtl="0"/>
-              <a:t>02.11.2020</a:t>
+              <a:t>26.12.2020</a:t>
             </a:fld>
             <a:endParaRPr lang="en-US" dirty="0"/>
           </a:p>
@@ -1687,7 +1688,7 @@
             <a:fld id="{83627DD0-092D-4AD9-AAE0-0513E170352E}" type="datetime1">
               <a:rPr lang="de-DE" smtClean="0"/>
               <a:pPr rtl="0"/>
-              <a:t>02.11.2020</a:t>
+              <a:t>26.12.2020</a:t>
             </a:fld>
             <a:endParaRPr lang="en-US" dirty="0"/>
           </a:p>
@@ -2005,7 +2006,7 @@
             <a:fld id="{F36CBEDB-B1DE-4F8C-AD4A-10AD3F77E1A9}" type="datetime1">
               <a:rPr lang="de-DE" smtClean="0"/>
               <a:pPr rtl="0"/>
-              <a:t>02.11.2020</a:t>
+              <a:t>26.12.2020</a:t>
             </a:fld>
             <a:endParaRPr lang="en-US" dirty="0"/>
           </a:p>
@@ -2264,7 +2265,7 @@
             <a:fld id="{F95AE019-BB99-4C3A-AA2C-A36C39CE4DCB}" type="datetime1">
               <a:rPr lang="de-DE" smtClean="0"/>
               <a:pPr rtl="0"/>
-              <a:t>02.11.2020</a:t>
+              <a:t>26.12.2020</a:t>
             </a:fld>
             <a:endParaRPr lang="en-US" dirty="0"/>
           </a:p>
@@ -2692,7 +2693,7 @@
             <a:fld id="{117FAFC6-AD0C-4B5B-B8B0-E729C6D4C810}" type="datetime1">
               <a:rPr lang="de-DE" smtClean="0"/>
               <a:pPr rtl="0"/>
-              <a:t>02.11.2020</a:t>
+              <a:t>26.12.2020</a:t>
             </a:fld>
             <a:endParaRPr lang="en-US" dirty="0"/>
           </a:p>
@@ -2821,7 +2822,7 @@
             <a:fld id="{607DEF3C-A2B0-4F78-836D-1A1B1DEE5467}" type="datetime1">
               <a:rPr lang="de-DE" smtClean="0"/>
               <a:pPr rtl="0"/>
-              <a:t>02.11.2020</a:t>
+              <a:t>26.12.2020</a:t>
             </a:fld>
             <a:endParaRPr lang="en-US" dirty="0"/>
           </a:p>
@@ -2921,7 +2922,7 @@
             <a:fld id="{D971D44B-9C44-467E-B481-41466CDBD2A7}" type="datetime1">
               <a:rPr lang="de-DE" smtClean="0"/>
               <a:pPr rtl="0"/>
-              <a:t>02.11.2020</a:t>
+              <a:t>26.12.2020</a:t>
             </a:fld>
             <a:endParaRPr lang="en-US" dirty="0"/>
           </a:p>
@@ -3304,7 +3305,7 @@
             <a:fld id="{0354EEBD-0E7F-42E6-BE86-4864547D749E}" type="datetime1">
               <a:rPr lang="de-DE" smtClean="0"/>
               <a:pPr rtl="0"/>
-              <a:t>02.11.2020</a:t>
+              <a:t>26.12.2020</a:t>
             </a:fld>
             <a:endParaRPr lang="en-US" dirty="0"/>
           </a:p>
@@ -3603,7 +3604,7 @@
             <a:fld id="{8C7274EF-79A2-4EAD-98EF-7E5BB5EA068D}" type="datetime1">
               <a:rPr lang="de-DE" smtClean="0"/>
               <a:pPr rtl="0"/>
-              <a:t>02.11.2020</a:t>
+              <a:t>26.12.2020</a:t>
             </a:fld>
             <a:endParaRPr lang="en-US" dirty="0"/>
           </a:p>
@@ -3823,7 +3824,7 @@
             <a:fld id="{EDD379EC-906B-4CE5-98C2-3A156331FD9E}" type="datetime1">
               <a:rPr lang="de-DE" smtClean="0"/>
               <a:pPr rtl="0"/>
-              <a:t>02.11.2020</a:t>
+              <a:t>26.12.2020</a:t>
             </a:fld>
             <a:endParaRPr lang="en-US" dirty="0"/>
           </a:p>
@@ -4557,7 +4558,7 @@
             <a:pPr rtl="0"/>
             <a:r>
               <a:rPr lang="de" dirty="0"/>
-              <a:t>Intent Management</a:t>
+              <a:t>Lektion 09 - Intent Management</a:t>
             </a:r>
           </a:p>
         </p:txBody>
@@ -4593,7 +4594,7 @@
             <a:pPr rtl="0"/>
             <a:r>
               <a:rPr lang="de" dirty="0"/>
-              <a:t>Jonas Freiknecht, 2020, v1.0</a:t>
+              <a:t>Jonas Freiknecht, 2021, v1.3</a:t>
             </a:r>
           </a:p>
           <a:p>
@@ -4834,7 +4835,13 @@
       </p:grpSpPr>
       <p:sp>
         <p:nvSpPr>
-          <p:cNvPr id="2" name="Titel 1"/>
+          <p:cNvPr id="2" name="Titel 1">
+            <a:extLst>
+              <a:ext uri="{FF2B5EF4-FFF2-40B4-BE49-F238E27FC236}">
+                <a16:creationId xmlns:a16="http://schemas.microsoft.com/office/drawing/2014/main" id="{358A4925-C8AB-4657-807A-AEA5E5CF123A}"/>
+              </a:ext>
+            </a:extLst>
+          </p:cNvPr>
           <p:cNvSpPr>
             <a:spLocks noGrp="1"/>
           </p:cNvSpPr>
@@ -4849,22 +4856,130 @@
           <a:p>
             <a:r>
               <a:rPr lang="de-DE" dirty="0"/>
-              <a:t>Wie wir </a:t>
+              <a:t>Was wir lernen werden</a:t>
+            </a:r>
+          </a:p>
+        </p:txBody>
+      </p:sp>
+      <p:sp>
+        <p:nvSpPr>
+          <p:cNvPr id="3" name="Inhaltsplatzhalter 2">
+            <a:extLst>
+              <a:ext uri="{FF2B5EF4-FFF2-40B4-BE49-F238E27FC236}">
+                <a16:creationId xmlns:a16="http://schemas.microsoft.com/office/drawing/2014/main" id="{8A3B0A6C-46A8-4B22-86E0-18A3FBD3D86F}"/>
+              </a:ext>
+            </a:extLst>
+          </p:cNvPr>
+          <p:cNvSpPr>
+            <a:spLocks noGrp="1"/>
+          </p:cNvSpPr>
+          <p:nvPr>
+            <p:ph idx="1"/>
+          </p:nvPr>
+        </p:nvSpPr>
+        <p:spPr/>
+        <p:txBody>
+          <a:bodyPr>
+            <a:normAutofit/>
+          </a:bodyPr>
+          <a:lstStyle/>
+          <a:p>
+            <a:r>
+              <a:rPr lang="de-DE" dirty="0"/>
+              <a:t>Verwalten mehrerer Frameworks zum Erkennen von </a:t>
             </a:r>
             <a:r>
               <a:rPr lang="de-DE" dirty="0" err="1"/>
               <a:t>Intents</a:t>
             </a:r>
+            <a:endParaRPr lang="de-DE" dirty="0"/>
+          </a:p>
+          <a:p>
             <a:r>
               <a:rPr lang="de-DE" dirty="0"/>
-              <a:t> verwalten werden</a:t>
-            </a:r>
-          </a:p>
-        </p:txBody>
-      </p:sp>
-      <p:sp>
-        <p:nvSpPr>
-          <p:cNvPr id="4" name="Datumsplatzhalter 3"/>
+              <a:t>Vergleich einer ML-Methode (</a:t>
+            </a:r>
+            <a:r>
+              <a:rPr lang="de-DE" dirty="0" err="1"/>
+              <a:t>Snips</a:t>
+            </a:r>
+            <a:r>
+              <a:rPr lang="de-DE" dirty="0"/>
+              <a:t> NLU) und einer fest vorgegebenen (</a:t>
+            </a:r>
+            <a:r>
+              <a:rPr lang="de-DE" dirty="0" err="1"/>
+              <a:t>ChatbotAI</a:t>
+            </a:r>
+            <a:r>
+              <a:rPr lang="de-DE" dirty="0"/>
+              <a:t>)</a:t>
+            </a:r>
+          </a:p>
+          <a:p>
+            <a:r>
+              <a:rPr lang="de-DE" dirty="0"/>
+              <a:t>Dynamisches Einlesen von Python-Modulen und dem Aufruf deren Funktionen</a:t>
+            </a:r>
+          </a:p>
+          <a:p>
+            <a:r>
+              <a:rPr lang="de-DE" dirty="0"/>
+              <a:t>Einrichten eines primären und eines sekundären Moduls für die Interpretation von </a:t>
+            </a:r>
+            <a:r>
+              <a:rPr lang="de-DE" dirty="0" err="1"/>
+              <a:t>Intents</a:t>
+            </a:r>
+            <a:endParaRPr lang="de-DE" dirty="0"/>
+          </a:p>
+          <a:p>
+            <a:r>
+              <a:rPr lang="de-DE" dirty="0"/>
+              <a:t>Lesen aller Konfigurationsdateien für </a:t>
+            </a:r>
+            <a:r>
+              <a:rPr lang="de-DE" dirty="0" err="1"/>
+              <a:t>Snips</a:t>
+            </a:r>
+            <a:r>
+              <a:rPr lang="de-DE" dirty="0"/>
+              <a:t> NLU und </a:t>
+            </a:r>
+            <a:r>
+              <a:rPr lang="de-DE" dirty="0" err="1"/>
+              <a:t>ChatbotAI</a:t>
+            </a:r>
+            <a:endParaRPr lang="de-DE" dirty="0"/>
+          </a:p>
+          <a:p>
+            <a:r>
+              <a:rPr lang="de-DE" dirty="0"/>
+              <a:t>Gesunder Umgang mit Default-Variablen</a:t>
+            </a:r>
+          </a:p>
+          <a:p>
+            <a:r>
+              <a:rPr lang="de-DE" dirty="0"/>
+              <a:t>Teilen von Variablen über </a:t>
+            </a:r>
+            <a:r>
+              <a:rPr lang="de-DE"/>
+              <a:t>mehrere Module</a:t>
+            </a:r>
+            <a:endParaRPr lang="de-DE" dirty="0"/>
+          </a:p>
+        </p:txBody>
+      </p:sp>
+      <p:sp>
+        <p:nvSpPr>
+          <p:cNvPr id="4" name="Datumsplatzhalter 3">
+            <a:extLst>
+              <a:ext uri="{FF2B5EF4-FFF2-40B4-BE49-F238E27FC236}">
+                <a16:creationId xmlns:a16="http://schemas.microsoft.com/office/drawing/2014/main" id="{B0C83F4C-BDF0-442F-9B2E-3274E55E6745}"/>
+              </a:ext>
+            </a:extLst>
+          </p:cNvPr>
           <p:cNvSpPr>
             <a:spLocks noGrp="1"/>
           </p:cNvSpPr>
@@ -4881,7 +4996,92 @@
             <a:fld id="{83627DD0-092D-4AD9-AAE0-0513E170352E}" type="datetime1">
               <a:rPr lang="de-DE" smtClean="0"/>
               <a:pPr rtl="0"/>
-              <a:t>02.11.2020</a:t>
+              <a:t>26.12.2020</a:t>
+            </a:fld>
+            <a:endParaRPr lang="en-US" dirty="0"/>
+          </a:p>
+        </p:txBody>
+      </p:sp>
+    </p:spTree>
+    <p:extLst>
+      <p:ext uri="{BB962C8B-B14F-4D97-AF65-F5344CB8AC3E}">
+        <p14:creationId xmlns:p14="http://schemas.microsoft.com/office/powerpoint/2010/main" val="1167575575"/>
+      </p:ext>
+    </p:extLst>
+  </p:cSld>
+  <p:clrMapOvr>
+    <a:masterClrMapping/>
+  </p:clrMapOvr>
+</p:sld>
+</file>
+
+<file path=ppt/slides/slide3.xml><?xml version="1.0" encoding="utf-8"?>
+<p:sld xmlns:a="http://schemas.openxmlformats.org/drawingml/2006/main" xmlns:r="http://schemas.openxmlformats.org/officeDocument/2006/relationships" xmlns:p="http://schemas.openxmlformats.org/presentationml/2006/main">
+  <p:cSld>
+    <p:spTree>
+      <p:nvGrpSpPr>
+        <p:cNvPr id="1" name=""/>
+        <p:cNvGrpSpPr/>
+        <p:nvPr/>
+      </p:nvGrpSpPr>
+      <p:grpSpPr>
+        <a:xfrm>
+          <a:off x="0" y="0"/>
+          <a:ext cx="0" cy="0"/>
+          <a:chOff x="0" y="0"/>
+          <a:chExt cx="0" cy="0"/>
+        </a:xfrm>
+      </p:grpSpPr>
+      <p:sp>
+        <p:nvSpPr>
+          <p:cNvPr id="2" name="Titel 1"/>
+          <p:cNvSpPr>
+            <a:spLocks noGrp="1"/>
+          </p:cNvSpPr>
+          <p:nvPr>
+            <p:ph type="title"/>
+          </p:nvPr>
+        </p:nvSpPr>
+        <p:spPr/>
+        <p:txBody>
+          <a:bodyPr/>
+          <a:lstStyle/>
+          <a:p>
+            <a:r>
+              <a:rPr lang="de-DE" dirty="0"/>
+              <a:t>Wie wir </a:t>
+            </a:r>
+            <a:r>
+              <a:rPr lang="de-DE" dirty="0" err="1"/>
+              <a:t>Intents</a:t>
+            </a:r>
+            <a:r>
+              <a:rPr lang="de-DE" dirty="0"/>
+              <a:t> verwalten werden</a:t>
+            </a:r>
+          </a:p>
+        </p:txBody>
+      </p:sp>
+      <p:sp>
+        <p:nvSpPr>
+          <p:cNvPr id="4" name="Datumsplatzhalter 3"/>
+          <p:cNvSpPr>
+            <a:spLocks noGrp="1"/>
+          </p:cNvSpPr>
+          <p:nvPr>
+            <p:ph type="dt" sz="half" idx="10"/>
+          </p:nvPr>
+        </p:nvSpPr>
+        <p:spPr/>
+        <p:txBody>
+          <a:bodyPr/>
+          <a:lstStyle/>
+          <a:p>
+            <a:pPr rtl="0"/>
+            <a:fld id="{83627DD0-092D-4AD9-AAE0-0513E170352E}" type="datetime1">
+              <a:rPr lang="de-DE" smtClean="0"/>
+              <a:pPr rtl="0"/>
+              <a:t>26.12.2020</a:t>
             </a:fld>
             <a:endParaRPr lang="en-US" dirty="0"/>
           </a:p>
@@ -4967,16 +5167,15 @@
             <a:pPr lvl="1"/>
             <a:r>
               <a:rPr lang="de-DE" dirty="0"/>
-              <a:t>Benachrichtigung bei Hinzufügen eines neuen </a:t>
-            </a:r>
-            <a:r>
-              <a:rPr lang="de-DE" dirty="0" err="1"/>
-              <a:t>Intents</a:t>
-            </a:r>
-            <a:endParaRPr lang="de-DE" dirty="0"/>
-          </a:p>
-          <a:p>
-            <a:endParaRPr lang="de-DE" dirty="0"/>
+              <a:t>Automatisches Einbinden von Python-Modulen</a:t>
+            </a:r>
+          </a:p>
+          <a:p>
+            <a:pPr lvl="1"/>
+            <a:r>
+              <a:rPr lang="de-DE" dirty="0"/>
+              <a:t>Automatische Installation von Abhängigkeiten</a:t>
+            </a:r>
           </a:p>
         </p:txBody>
       </p:sp>

--- a/slides/09_intent_management.pptx
+++ b/slides/09_intent_management.pptx
@@ -219,7 +219,7 @@
             <a:fld id="{764ED9EE-8F2A-4E06-87A2-36C0DD0993FD}" type="datetime1">
               <a:rPr lang="de-DE" smtClean="0"/>
               <a:pPr rtl="0"/>
-              <a:t>26.12.2020</a:t>
+              <a:t>30.09.2021</a:t>
             </a:fld>
             <a:endParaRPr lang="en-US" dirty="0"/>
           </a:p>
@@ -391,7 +391,7 @@
             <a:fld id="{A5A5ADE8-1FB8-43FD-A675-2B613EE00B6F}" type="datetime1">
               <a:rPr lang="de-DE" smtClean="0"/>
               <a:pPr rtl="0"/>
-              <a:t>26.12.2020</a:t>
+              <a:t>30.09.2021</a:t>
             </a:fld>
             <a:endParaRPr lang="en-US"/>
           </a:p>
@@ -907,7 +907,7 @@
             <a:fld id="{81E9C95E-BEF0-4D2E-9127-B9099B238D2A}" type="datetime1">
               <a:rPr lang="de-DE" smtClean="0"/>
               <a:pPr rtl="0"/>
-              <a:t>26.12.2020</a:t>
+              <a:t>30.09.2021</a:t>
             </a:fld>
             <a:endParaRPr lang="en-US" dirty="0"/>
           </a:p>
@@ -1116,7 +1116,7 @@
             <a:fld id="{FE771757-BB18-44C5-813E-435E78C98126}" type="datetime1">
               <a:rPr lang="de-DE" smtClean="0"/>
               <a:pPr rtl="0"/>
-              <a:t>26.12.2020</a:t>
+              <a:t>30.09.2021</a:t>
             </a:fld>
             <a:endParaRPr lang="en-US" dirty="0"/>
           </a:p>
@@ -1484,7 +1484,7 @@
             <a:fld id="{B83FACD6-565C-4118-ACD0-32ACCA9AF940}" type="datetime1">
               <a:rPr lang="de-DE" smtClean="0"/>
               <a:pPr rtl="0"/>
-              <a:t>26.12.2020</a:t>
+              <a:t>30.09.2021</a:t>
             </a:fld>
             <a:endParaRPr lang="en-US" dirty="0"/>
           </a:p>
@@ -1688,7 +1688,7 @@
             <a:fld id="{83627DD0-092D-4AD9-AAE0-0513E170352E}" type="datetime1">
               <a:rPr lang="de-DE" smtClean="0"/>
               <a:pPr rtl="0"/>
-              <a:t>26.12.2020</a:t>
+              <a:t>30.09.2021</a:t>
             </a:fld>
             <a:endParaRPr lang="en-US" dirty="0"/>
           </a:p>
@@ -2006,7 +2006,7 @@
             <a:fld id="{F36CBEDB-B1DE-4F8C-AD4A-10AD3F77E1A9}" type="datetime1">
               <a:rPr lang="de-DE" smtClean="0"/>
               <a:pPr rtl="0"/>
-              <a:t>26.12.2020</a:t>
+              <a:t>30.09.2021</a:t>
             </a:fld>
             <a:endParaRPr lang="en-US" dirty="0"/>
           </a:p>
@@ -2265,7 +2265,7 @@
             <a:fld id="{F95AE019-BB99-4C3A-AA2C-A36C39CE4DCB}" type="datetime1">
               <a:rPr lang="de-DE" smtClean="0"/>
               <a:pPr rtl="0"/>
-              <a:t>26.12.2020</a:t>
+              <a:t>30.09.2021</a:t>
             </a:fld>
             <a:endParaRPr lang="en-US" dirty="0"/>
           </a:p>
@@ -2693,7 +2693,7 @@
             <a:fld id="{117FAFC6-AD0C-4B5B-B8B0-E729C6D4C810}" type="datetime1">
               <a:rPr lang="de-DE" smtClean="0"/>
               <a:pPr rtl="0"/>
-              <a:t>26.12.2020</a:t>
+              <a:t>30.09.2021</a:t>
             </a:fld>
             <a:endParaRPr lang="en-US" dirty="0"/>
           </a:p>
@@ -2822,7 +2822,7 @@
             <a:fld id="{607DEF3C-A2B0-4F78-836D-1A1B1DEE5467}" type="datetime1">
               <a:rPr lang="de-DE" smtClean="0"/>
               <a:pPr rtl="0"/>
-              <a:t>26.12.2020</a:t>
+              <a:t>30.09.2021</a:t>
             </a:fld>
             <a:endParaRPr lang="en-US" dirty="0"/>
           </a:p>
@@ -2922,7 +2922,7 @@
             <a:fld id="{D971D44B-9C44-467E-B481-41466CDBD2A7}" type="datetime1">
               <a:rPr lang="de-DE" smtClean="0"/>
               <a:pPr rtl="0"/>
-              <a:t>26.12.2020</a:t>
+              <a:t>30.09.2021</a:t>
             </a:fld>
             <a:endParaRPr lang="en-US" dirty="0"/>
           </a:p>
@@ -3305,7 +3305,7 @@
             <a:fld id="{0354EEBD-0E7F-42E6-BE86-4864547D749E}" type="datetime1">
               <a:rPr lang="de-DE" smtClean="0"/>
               <a:pPr rtl="0"/>
-              <a:t>26.12.2020</a:t>
+              <a:t>30.09.2021</a:t>
             </a:fld>
             <a:endParaRPr lang="en-US" dirty="0"/>
           </a:p>
@@ -3604,7 +3604,7 @@
             <a:fld id="{8C7274EF-79A2-4EAD-98EF-7E5BB5EA068D}" type="datetime1">
               <a:rPr lang="de-DE" smtClean="0"/>
               <a:pPr rtl="0"/>
-              <a:t>26.12.2020</a:t>
+              <a:t>30.09.2021</a:t>
             </a:fld>
             <a:endParaRPr lang="en-US" dirty="0"/>
           </a:p>
@@ -3824,7 +3824,7 @@
             <a:fld id="{EDD379EC-906B-4CE5-98C2-3A156331FD9E}" type="datetime1">
               <a:rPr lang="de-DE" smtClean="0"/>
               <a:pPr rtl="0"/>
-              <a:t>26.12.2020</a:t>
+              <a:t>30.09.2021</a:t>
             </a:fld>
             <a:endParaRPr lang="en-US" dirty="0"/>
           </a:p>
@@ -4996,7 +4996,7 @@
             <a:fld id="{83627DD0-092D-4AD9-AAE0-0513E170352E}" type="datetime1">
               <a:rPr lang="de-DE" smtClean="0"/>
               <a:pPr rtl="0"/>
-              <a:t>26.12.2020</a:t>
+              <a:t>30.09.2021</a:t>
             </a:fld>
             <a:endParaRPr lang="en-US" dirty="0"/>
           </a:p>
@@ -5081,7 +5081,7 @@
             <a:fld id="{83627DD0-092D-4AD9-AAE0-0513E170352E}" type="datetime1">
               <a:rPr lang="de-DE" smtClean="0"/>
               <a:pPr rtl="0"/>
-              <a:t>26.12.2020</a:t>
+              <a:t>30.09.2021</a:t>
             </a:fld>
             <a:endParaRPr lang="en-US" dirty="0"/>
           </a:p>
@@ -5673,7 +5673,7 @@
         </p:nvSpPr>
         <p:spPr>
           <a:xfrm>
-            <a:off x="8328958" y="2648810"/>
+            <a:off x="6114705" y="2693555"/>
             <a:ext cx="1564261" cy="725621"/>
           </a:xfrm>
           <a:prstGeom prst="flowChartMagneticDisk">
@@ -5724,14 +5724,14 @@
           <p:cNvCxnSpPr>
             <a:cxnSpLocks/>
             <a:stCxn id="31" idx="2"/>
-            <a:endCxn id="33" idx="1"/>
+            <a:endCxn id="16" idx="0"/>
           </p:cNvCxnSpPr>
           <p:nvPr/>
         </p:nvCxnSpPr>
         <p:spPr>
           <a:xfrm flipH="1">
-            <a:off x="9111089" y="2307139"/>
-            <a:ext cx="2570" cy="341671"/>
+            <a:off x="9109445" y="2307139"/>
+            <a:ext cx="4214" cy="1374058"/>
           </a:xfrm>
           <a:prstGeom prst="straightConnector1">
             <a:avLst/>
@@ -5766,15 +5766,15 @@
           </p:cNvPr>
           <p:cNvCxnSpPr>
             <a:cxnSpLocks/>
-            <a:stCxn id="33" idx="3"/>
+            <a:stCxn id="33" idx="4"/>
             <a:endCxn id="16" idx="0"/>
           </p:cNvCxnSpPr>
           <p:nvPr/>
         </p:nvCxnSpPr>
         <p:spPr>
-          <a:xfrm flipH="1">
-            <a:off x="9109445" y="3374431"/>
-            <a:ext cx="1644" cy="306766"/>
+          <a:xfrm>
+            <a:off x="7678966" y="3056366"/>
+            <a:ext cx="1430479" cy="624831"/>
           </a:xfrm>
           <a:prstGeom prst="straightConnector1">
             <a:avLst/>
